--- a/pgray-SentimentAnalysis-csml1010.pptx
+++ b/pgray-SentimentAnalysis-csml1010.pptx
@@ -30,7 +30,9 @@
     <p:sldId id="281" r:id="rId24"/>
     <p:sldId id="277" r:id="rId25"/>
     <p:sldId id="278" r:id="rId26"/>
-    <p:sldId id="279" r:id="rId27"/>
+    <p:sldId id="282" r:id="rId27"/>
+    <p:sldId id="283" r:id="rId28"/>
+    <p:sldId id="279" r:id="rId29"/>
   </p:sldIdLst>
   <p:sldSz cx="9144000" cy="6858000" type="screen4x3"/>
   <p:notesSz cx="6858000" cy="9144000"/>
@@ -3818,6 +3820,16 @@
   <p:clrMapOvr>
     <a:masterClrMapping/>
   </p:clrMapOvr>
+  <p:transition spd="slow">
+    <p:wheel spokes="1"/>
+  </p:transition>
+  <p:timing>
+    <p:tnLst>
+      <p:par>
+        <p:cTn id="1" dur="indefinite" restart="never" nodeType="tmRoot"/>
+      </p:par>
+    </p:tnLst>
+  </p:timing>
 </p:sld>
 </file>
 
@@ -3932,6 +3944,9 @@
   <p:clrMapOvr>
     <a:masterClrMapping/>
   </p:clrMapOvr>
+  <p:transition spd="slow">
+    <p:dissolve/>
+  </p:transition>
   <p:timing>
     <p:tnLst>
       <p:par>
@@ -4379,7 +4394,7 @@
           <a:p>
             <a:r>
               <a:rPr lang="en-US" dirty="0" smtClean="0"/>
-              <a:t>SVC sometimes scores trivially higher, but Regression is inherently more Interpretable</a:t>
+              <a:t>SVC sometimes scores trivially higher, but Regression is inherently more Interpretable (parametric vs. non-parametric)</a:t>
             </a:r>
           </a:p>
           <a:p>
@@ -4729,6 +4744,13 @@
   <p:clrMapOvr>
     <a:masterClrMapping/>
   </p:clrMapOvr>
+  <p:timing>
+    <p:tnLst>
+      <p:par>
+        <p:cTn id="1" dur="indefinite" restart="never" nodeType="tmRoot"/>
+      </p:par>
+    </p:tnLst>
+  </p:timing>
 </p:sld>
 </file>
 
@@ -4906,6 +4928,9 @@
   <p:clrMapOvr>
     <a:masterClrMapping/>
   </p:clrMapOvr>
+  <p:transition spd="slow">
+    <p:newsflash/>
+  </p:transition>
   <p:timing>
     <p:tnLst>
       <p:par>
@@ -4940,17 +4965,17 @@
             <a:spLocks noGrp="1"/>
           </p:cNvSpPr>
           <p:nvPr>
-            <p:ph type="ctrTitle"/>
-          </p:nvPr>
-        </p:nvSpPr>
-        <p:spPr/>
-        <p:txBody>
-          <a:bodyPr/>
-          <a:lstStyle/>
-          <a:p>
-            <a:r>
-              <a:rPr lang="en-US" dirty="0" smtClean="0"/>
-              <a:t>Thank You!</a:t>
+            <p:ph type="title"/>
+          </p:nvPr>
+        </p:nvSpPr>
+        <p:spPr/>
+        <p:txBody>
+          <a:bodyPr/>
+          <a:lstStyle/>
+          <a:p>
+            <a:r>
+              <a:rPr lang="en-US" dirty="0" smtClean="0"/>
+              <a:t>Bibliography</a:t>
             </a:r>
             <a:endParaRPr lang="en-US" dirty="0"/>
           </a:p>
@@ -4958,23 +4983,86 @@
       </p:sp>
       <p:sp>
         <p:nvSpPr>
-          <p:cNvPr id="3" name="Subtitle 2"/>
-          <p:cNvSpPr>
-            <a:spLocks noGrp="1"/>
-          </p:cNvSpPr>
-          <p:nvPr>
-            <p:ph type="subTitle" idx="1"/>
-          </p:nvPr>
-        </p:nvSpPr>
-        <p:spPr/>
-        <p:txBody>
-          <a:bodyPr/>
-          <a:lstStyle/>
-          <a:p>
-            <a:r>
-              <a:rPr lang="en-US" dirty="0" smtClean="0"/>
-              <a:t>This has been Pete Gray’s final presentation for CSML1010, Machine Learning Life-Cycle, Jan 2020</a:t>
-            </a:r>
+          <p:cNvPr id="3" name="Content Placeholder 2"/>
+          <p:cNvSpPr>
+            <a:spLocks noGrp="1"/>
+          </p:cNvSpPr>
+          <p:nvPr>
+            <p:ph idx="1"/>
+          </p:nvPr>
+        </p:nvSpPr>
+        <p:spPr/>
+        <p:txBody>
+          <a:bodyPr/>
+          <a:lstStyle/>
+          <a:p>
+            <a:r>
+              <a:rPr lang="en-US" sz="2400" dirty="0"/>
+              <a:t>Sentiment140 for Academics</a:t>
+            </a:r>
+          </a:p>
+          <a:p>
+            <a:pPr>
+              <a:buNone/>
+            </a:pPr>
+            <a:r>
+              <a:rPr lang="en-US" sz="2400" u="sng" dirty="0">
+                <a:hlinkClick r:id="rId2"/>
+              </a:rPr>
+              <a:t>http://</a:t>
+            </a:r>
+            <a:r>
+              <a:rPr lang="en-US" sz="2400" u="sng" dirty="0" smtClean="0">
+                <a:hlinkClick r:id="rId2"/>
+              </a:rPr>
+              <a:t>help.sentiment140.com/for-students</a:t>
+            </a:r>
+            <a:endParaRPr lang="en-US" sz="2400" u="sng" dirty="0" smtClean="0"/>
+          </a:p>
+          <a:p>
+            <a:pPr>
+              <a:buNone/>
+            </a:pPr>
+            <a:endParaRPr lang="en-US" sz="2400" dirty="0"/>
+          </a:p>
+          <a:p>
+            <a:r>
+              <a:rPr lang="en-US" sz="2400" dirty="0"/>
+              <a:t>Twitter Sentiment Classification using Distant Supervision - Alec Go, </a:t>
+            </a:r>
+            <a:r>
+              <a:rPr lang="en-US" sz="2400" dirty="0" err="1"/>
+              <a:t>Richa</a:t>
+            </a:r>
+            <a:r>
+              <a:rPr lang="en-US" sz="2400" dirty="0"/>
+              <a:t> </a:t>
+            </a:r>
+            <a:r>
+              <a:rPr lang="en-US" sz="2400" dirty="0" err="1"/>
+              <a:t>Bhayani</a:t>
+            </a:r>
+            <a:r>
+              <a:rPr lang="en-US" sz="2400" dirty="0"/>
+              <a:t>, Lei Huang, 2009</a:t>
+            </a:r>
+          </a:p>
+          <a:p>
+            <a:pPr>
+              <a:buNone/>
+            </a:pPr>
+            <a:r>
+              <a:rPr lang="en-US" sz="2400" u="sng" dirty="0">
+                <a:hlinkClick r:id="rId3"/>
+              </a:rPr>
+              <a:t>https://cs.stanford.edu/people/alecmgo/papers/TwitterDistantSupervision09.pdf</a:t>
+            </a:r>
+            <a:endParaRPr lang="en-US" sz="2400" dirty="0"/>
+          </a:p>
+          <a:p>
+            <a:pPr>
+              <a:buNone/>
+            </a:pPr>
             <a:endParaRPr lang="en-US" dirty="0"/>
           </a:p>
         </p:txBody>
@@ -4984,6 +5072,191 @@
   <p:clrMapOvr>
     <a:masterClrMapping/>
   </p:clrMapOvr>
+  <p:timing>
+    <p:tnLst>
+      <p:par>
+        <p:cTn id="1" dur="indefinite" restart="never" nodeType="tmRoot"/>
+      </p:par>
+    </p:tnLst>
+  </p:timing>
+</p:sld>
+</file>
+
+<file path=ppt/slides/slide27.xml><?xml version="1.0" encoding="utf-8"?>
+<p:sld xmlns:a="http://schemas.openxmlformats.org/drawingml/2006/main" xmlns:r="http://schemas.openxmlformats.org/officeDocument/2006/relationships" xmlns:p="http://schemas.openxmlformats.org/presentationml/2006/main">
+  <p:cSld>
+    <p:spTree>
+      <p:nvGrpSpPr>
+        <p:cNvPr id="1" name=""/>
+        <p:cNvGrpSpPr/>
+        <p:nvPr/>
+      </p:nvGrpSpPr>
+      <p:grpSpPr>
+        <a:xfrm>
+          <a:off x="0" y="0"/>
+          <a:ext cx="0" cy="0"/>
+          <a:chOff x="0" y="0"/>
+          <a:chExt cx="0" cy="0"/>
+        </a:xfrm>
+      </p:grpSpPr>
+      <p:sp>
+        <p:nvSpPr>
+          <p:cNvPr id="2" name="Title 1"/>
+          <p:cNvSpPr>
+            <a:spLocks noGrp="1"/>
+          </p:cNvSpPr>
+          <p:nvPr>
+            <p:ph type="title"/>
+          </p:nvPr>
+        </p:nvSpPr>
+        <p:spPr/>
+        <p:txBody>
+          <a:bodyPr/>
+          <a:lstStyle/>
+          <a:p>
+            <a:r>
+              <a:rPr lang="en-US" dirty="0" smtClean="0"/>
+              <a:t>Questions?</a:t>
+            </a:r>
+            <a:endParaRPr lang="en-US" dirty="0"/>
+          </a:p>
+        </p:txBody>
+      </p:sp>
+      <p:pic>
+        <p:nvPicPr>
+          <p:cNvPr id="6" name="Content Placeholder 5" descr="cloud-pos.png"/>
+          <p:cNvPicPr>
+            <a:picLocks noGrp="1" noChangeAspect="1"/>
+          </p:cNvPicPr>
+          <p:nvPr>
+            <p:ph sz="half" idx="1"/>
+          </p:nvPr>
+        </p:nvPicPr>
+        <p:blipFill>
+          <a:blip r:embed="rId2"/>
+          <a:stretch>
+            <a:fillRect/>
+          </a:stretch>
+        </p:blipFill>
+        <p:spPr>
+          <a:xfrm>
+            <a:off x="457200" y="2517906"/>
+            <a:ext cx="4038600" cy="2690551"/>
+          </a:xfrm>
+        </p:spPr>
+      </p:pic>
+      <p:pic>
+        <p:nvPicPr>
+          <p:cNvPr id="7" name="Content Placeholder 6" descr="cloud-neg.png"/>
+          <p:cNvPicPr>
+            <a:picLocks noGrp="1" noChangeAspect="1"/>
+          </p:cNvPicPr>
+          <p:nvPr>
+            <p:ph sz="half" idx="2"/>
+          </p:nvPr>
+        </p:nvPicPr>
+        <p:blipFill>
+          <a:blip r:embed="rId3"/>
+          <a:stretch>
+            <a:fillRect/>
+          </a:stretch>
+        </p:blipFill>
+        <p:spPr>
+          <a:xfrm>
+            <a:off x="4648200" y="2509728"/>
+            <a:ext cx="4038600" cy="2706906"/>
+          </a:xfrm>
+        </p:spPr>
+      </p:pic>
+    </p:spTree>
+  </p:cSld>
+  <p:clrMapOvr>
+    <a:masterClrMapping/>
+  </p:clrMapOvr>
+  <p:transition spd="slow">
+    <p:pull dir="d"/>
+  </p:transition>
+  <p:timing>
+    <p:tnLst>
+      <p:par>
+        <p:cTn id="1" dur="indefinite" restart="never" nodeType="tmRoot"/>
+      </p:par>
+    </p:tnLst>
+  </p:timing>
+</p:sld>
+</file>
+
+<file path=ppt/slides/slide28.xml><?xml version="1.0" encoding="utf-8"?>
+<p:sld xmlns:a="http://schemas.openxmlformats.org/drawingml/2006/main" xmlns:r="http://schemas.openxmlformats.org/officeDocument/2006/relationships" xmlns:p="http://schemas.openxmlformats.org/presentationml/2006/main">
+  <p:cSld>
+    <p:spTree>
+      <p:nvGrpSpPr>
+        <p:cNvPr id="1" name=""/>
+        <p:cNvGrpSpPr/>
+        <p:nvPr/>
+      </p:nvGrpSpPr>
+      <p:grpSpPr>
+        <a:xfrm>
+          <a:off x="0" y="0"/>
+          <a:ext cx="0" cy="0"/>
+          <a:chOff x="0" y="0"/>
+          <a:chExt cx="0" cy="0"/>
+        </a:xfrm>
+      </p:grpSpPr>
+      <p:sp>
+        <p:nvSpPr>
+          <p:cNvPr id="2" name="Title 1"/>
+          <p:cNvSpPr>
+            <a:spLocks noGrp="1"/>
+          </p:cNvSpPr>
+          <p:nvPr>
+            <p:ph type="ctrTitle"/>
+          </p:nvPr>
+        </p:nvSpPr>
+        <p:spPr/>
+        <p:txBody>
+          <a:bodyPr/>
+          <a:lstStyle/>
+          <a:p>
+            <a:r>
+              <a:rPr lang="en-US" dirty="0" smtClean="0"/>
+              <a:t>Thank You!</a:t>
+            </a:r>
+            <a:endParaRPr lang="en-US" dirty="0"/>
+          </a:p>
+        </p:txBody>
+      </p:sp>
+      <p:sp>
+        <p:nvSpPr>
+          <p:cNvPr id="3" name="Subtitle 2"/>
+          <p:cNvSpPr>
+            <a:spLocks noGrp="1"/>
+          </p:cNvSpPr>
+          <p:nvPr>
+            <p:ph type="subTitle" idx="1"/>
+          </p:nvPr>
+        </p:nvSpPr>
+        <p:spPr/>
+        <p:txBody>
+          <a:bodyPr/>
+          <a:lstStyle/>
+          <a:p>
+            <a:r>
+              <a:rPr lang="en-US" dirty="0" smtClean="0"/>
+              <a:t>This has been Pete Gray’s final presentation for CSML1010, Machine Learning Life-Cycle, Jan 2020</a:t>
+            </a:r>
+            <a:endParaRPr lang="en-US" dirty="0"/>
+          </a:p>
+        </p:txBody>
+      </p:sp>
+    </p:spTree>
+  </p:cSld>
+  <p:clrMapOvr>
+    <a:masterClrMapping/>
+  </p:clrMapOvr>
+  <p:transition spd="slow">
+    <p:pull dir="u"/>
+  </p:transition>
   <p:timing>
     <p:tnLst>
       <p:par>

--- a/pgray-SentimentAnalysis-csml1010.pptx
+++ b/pgray-SentimentAnalysis-csml1010.pptx
@@ -15,24 +15,25 @@
     <p:sldId id="263" r:id="rId9"/>
     <p:sldId id="264" r:id="rId10"/>
     <p:sldId id="265" r:id="rId11"/>
-    <p:sldId id="266" r:id="rId12"/>
-    <p:sldId id="267" r:id="rId13"/>
-    <p:sldId id="268" r:id="rId14"/>
-    <p:sldId id="269" r:id="rId15"/>
-    <p:sldId id="270" r:id="rId16"/>
-    <p:sldId id="280" r:id="rId17"/>
-    <p:sldId id="271" r:id="rId18"/>
-    <p:sldId id="272" r:id="rId19"/>
-    <p:sldId id="273" r:id="rId20"/>
-    <p:sldId id="274" r:id="rId21"/>
-    <p:sldId id="275" r:id="rId22"/>
-    <p:sldId id="276" r:id="rId23"/>
-    <p:sldId id="281" r:id="rId24"/>
-    <p:sldId id="277" r:id="rId25"/>
-    <p:sldId id="278" r:id="rId26"/>
-    <p:sldId id="282" r:id="rId27"/>
-    <p:sldId id="283" r:id="rId28"/>
-    <p:sldId id="279" r:id="rId29"/>
+    <p:sldId id="284" r:id="rId12"/>
+    <p:sldId id="266" r:id="rId13"/>
+    <p:sldId id="267" r:id="rId14"/>
+    <p:sldId id="268" r:id="rId15"/>
+    <p:sldId id="269" r:id="rId16"/>
+    <p:sldId id="270" r:id="rId17"/>
+    <p:sldId id="280" r:id="rId18"/>
+    <p:sldId id="271" r:id="rId19"/>
+    <p:sldId id="272" r:id="rId20"/>
+    <p:sldId id="273" r:id="rId21"/>
+    <p:sldId id="274" r:id="rId22"/>
+    <p:sldId id="275" r:id="rId23"/>
+    <p:sldId id="276" r:id="rId24"/>
+    <p:sldId id="281" r:id="rId25"/>
+    <p:sldId id="277" r:id="rId26"/>
+    <p:sldId id="278" r:id="rId27"/>
+    <p:sldId id="282" r:id="rId28"/>
+    <p:sldId id="283" r:id="rId29"/>
+    <p:sldId id="279" r:id="rId30"/>
   </p:sldIdLst>
   <p:sldSz cx="9144000" cy="6858000" type="screen4x3"/>
   <p:notesSz cx="6858000" cy="9144000"/>
@@ -315,7 +316,8 @@
           <a:p>
             <a:fld id="{8F802829-5F58-4D27-85EC-D166D878CA31}" type="datetimeFigureOut">
               <a:rPr lang="en-US" smtClean="0"/>
-              <a:t>1/14/2020</a:t>
+              <a:pPr/>
+              <a:t>1/16/2020</a:t>
             </a:fld>
             <a:endParaRPr lang="en-US"/>
           </a:p>
@@ -357,6 +359,7 @@
           <a:p>
             <a:fld id="{9DD59487-69F8-4616-B044-20448BDF2DE4}" type="slidenum">
               <a:rPr lang="en-US" smtClean="0"/>
+              <a:pPr/>
               <a:t>‹#›</a:t>
             </a:fld>
             <a:endParaRPr lang="en-US"/>
@@ -480,7 +483,8 @@
           <a:p>
             <a:fld id="{8F802829-5F58-4D27-85EC-D166D878CA31}" type="datetimeFigureOut">
               <a:rPr lang="en-US" smtClean="0"/>
-              <a:t>1/14/2020</a:t>
+              <a:pPr/>
+              <a:t>1/16/2020</a:t>
             </a:fld>
             <a:endParaRPr lang="en-US"/>
           </a:p>
@@ -522,6 +526,7 @@
           <a:p>
             <a:fld id="{9DD59487-69F8-4616-B044-20448BDF2DE4}" type="slidenum">
               <a:rPr lang="en-US" smtClean="0"/>
+              <a:pPr/>
               <a:t>‹#›</a:t>
             </a:fld>
             <a:endParaRPr lang="en-US"/>
@@ -655,7 +660,8 @@
           <a:p>
             <a:fld id="{8F802829-5F58-4D27-85EC-D166D878CA31}" type="datetimeFigureOut">
               <a:rPr lang="en-US" smtClean="0"/>
-              <a:t>1/14/2020</a:t>
+              <a:pPr/>
+              <a:t>1/16/2020</a:t>
             </a:fld>
             <a:endParaRPr lang="en-US"/>
           </a:p>
@@ -697,6 +703,7 @@
           <a:p>
             <a:fld id="{9DD59487-69F8-4616-B044-20448BDF2DE4}" type="slidenum">
               <a:rPr lang="en-US" smtClean="0"/>
+              <a:pPr/>
               <a:t>‹#›</a:t>
             </a:fld>
             <a:endParaRPr lang="en-US"/>
@@ -820,7 +827,8 @@
           <a:p>
             <a:fld id="{8F802829-5F58-4D27-85EC-D166D878CA31}" type="datetimeFigureOut">
               <a:rPr lang="en-US" smtClean="0"/>
-              <a:t>1/14/2020</a:t>
+              <a:pPr/>
+              <a:t>1/16/2020</a:t>
             </a:fld>
             <a:endParaRPr lang="en-US"/>
           </a:p>
@@ -862,6 +870,7 @@
           <a:p>
             <a:fld id="{9DD59487-69F8-4616-B044-20448BDF2DE4}" type="slidenum">
               <a:rPr lang="en-US" smtClean="0"/>
+              <a:pPr/>
               <a:t>‹#›</a:t>
             </a:fld>
             <a:endParaRPr lang="en-US"/>
@@ -1061,7 +1070,8 @@
           <a:p>
             <a:fld id="{8F802829-5F58-4D27-85EC-D166D878CA31}" type="datetimeFigureOut">
               <a:rPr lang="en-US" smtClean="0"/>
-              <a:t>1/14/2020</a:t>
+              <a:pPr/>
+              <a:t>1/16/2020</a:t>
             </a:fld>
             <a:endParaRPr lang="en-US"/>
           </a:p>
@@ -1103,6 +1113,7 @@
           <a:p>
             <a:fld id="{9DD59487-69F8-4616-B044-20448BDF2DE4}" type="slidenum">
               <a:rPr lang="en-US" smtClean="0"/>
+              <a:pPr/>
               <a:t>‹#›</a:t>
             </a:fld>
             <a:endParaRPr lang="en-US"/>
@@ -1344,7 +1355,8 @@
           <a:p>
             <a:fld id="{8F802829-5F58-4D27-85EC-D166D878CA31}" type="datetimeFigureOut">
               <a:rPr lang="en-US" smtClean="0"/>
-              <a:t>1/14/2020</a:t>
+              <a:pPr/>
+              <a:t>1/16/2020</a:t>
             </a:fld>
             <a:endParaRPr lang="en-US"/>
           </a:p>
@@ -1386,6 +1398,7 @@
           <a:p>
             <a:fld id="{9DD59487-69F8-4616-B044-20448BDF2DE4}" type="slidenum">
               <a:rPr lang="en-US" smtClean="0"/>
+              <a:pPr/>
               <a:t>‹#›</a:t>
             </a:fld>
             <a:endParaRPr lang="en-US"/>
@@ -1761,7 +1774,8 @@
           <a:p>
             <a:fld id="{8F802829-5F58-4D27-85EC-D166D878CA31}" type="datetimeFigureOut">
               <a:rPr lang="en-US" smtClean="0"/>
-              <a:t>1/14/2020</a:t>
+              <a:pPr/>
+              <a:t>1/16/2020</a:t>
             </a:fld>
             <a:endParaRPr lang="en-US"/>
           </a:p>
@@ -1803,6 +1817,7 @@
           <a:p>
             <a:fld id="{9DD59487-69F8-4616-B044-20448BDF2DE4}" type="slidenum">
               <a:rPr lang="en-US" smtClean="0"/>
+              <a:pPr/>
               <a:t>‹#›</a:t>
             </a:fld>
             <a:endParaRPr lang="en-US"/>
@@ -1874,7 +1889,8 @@
           <a:p>
             <a:fld id="{8F802829-5F58-4D27-85EC-D166D878CA31}" type="datetimeFigureOut">
               <a:rPr lang="en-US" smtClean="0"/>
-              <a:t>1/14/2020</a:t>
+              <a:pPr/>
+              <a:t>1/16/2020</a:t>
             </a:fld>
             <a:endParaRPr lang="en-US"/>
           </a:p>
@@ -1916,6 +1932,7 @@
           <a:p>
             <a:fld id="{9DD59487-69F8-4616-B044-20448BDF2DE4}" type="slidenum">
               <a:rPr lang="en-US" smtClean="0"/>
+              <a:pPr/>
               <a:t>‹#›</a:t>
             </a:fld>
             <a:endParaRPr lang="en-US"/>
@@ -1964,7 +1981,8 @@
           <a:p>
             <a:fld id="{8F802829-5F58-4D27-85EC-D166D878CA31}" type="datetimeFigureOut">
               <a:rPr lang="en-US" smtClean="0"/>
-              <a:t>1/14/2020</a:t>
+              <a:pPr/>
+              <a:t>1/16/2020</a:t>
             </a:fld>
             <a:endParaRPr lang="en-US"/>
           </a:p>
@@ -2006,6 +2024,7 @@
           <a:p>
             <a:fld id="{9DD59487-69F8-4616-B044-20448BDF2DE4}" type="slidenum">
               <a:rPr lang="en-US" smtClean="0"/>
+              <a:pPr/>
               <a:t>‹#›</a:t>
             </a:fld>
             <a:endParaRPr lang="en-US"/>
@@ -2236,7 +2255,8 @@
           <a:p>
             <a:fld id="{8F802829-5F58-4D27-85EC-D166D878CA31}" type="datetimeFigureOut">
               <a:rPr lang="en-US" smtClean="0"/>
-              <a:t>1/14/2020</a:t>
+              <a:pPr/>
+              <a:t>1/16/2020</a:t>
             </a:fld>
             <a:endParaRPr lang="en-US"/>
           </a:p>
@@ -2278,6 +2298,7 @@
           <a:p>
             <a:fld id="{9DD59487-69F8-4616-B044-20448BDF2DE4}" type="slidenum">
               <a:rPr lang="en-US" smtClean="0"/>
+              <a:pPr/>
               <a:t>‹#›</a:t>
             </a:fld>
             <a:endParaRPr lang="en-US"/>
@@ -2484,7 +2505,8 @@
           <a:p>
             <a:fld id="{8F802829-5F58-4D27-85EC-D166D878CA31}" type="datetimeFigureOut">
               <a:rPr lang="en-US" smtClean="0"/>
-              <a:t>1/14/2020</a:t>
+              <a:pPr/>
+              <a:t>1/16/2020</a:t>
             </a:fld>
             <a:endParaRPr lang="en-US"/>
           </a:p>
@@ -2526,6 +2548,7 @@
           <a:p>
             <a:fld id="{9DD59487-69F8-4616-B044-20448BDF2DE4}" type="slidenum">
               <a:rPr lang="en-US" smtClean="0"/>
+              <a:pPr/>
               <a:t>‹#›</a:t>
             </a:fld>
             <a:endParaRPr lang="en-US"/>
@@ -2692,7 +2715,8 @@
           <a:p>
             <a:fld id="{8F802829-5F58-4D27-85EC-D166D878CA31}" type="datetimeFigureOut">
               <a:rPr lang="en-US" smtClean="0"/>
-              <a:t>1/14/2020</a:t>
+              <a:pPr/>
+              <a:t>1/16/2020</a:t>
             </a:fld>
             <a:endParaRPr lang="en-US"/>
           </a:p>
@@ -2770,6 +2794,7 @@
           <a:p>
             <a:fld id="{9DD59487-69F8-4616-B044-20448BDF2DE4}" type="slidenum">
               <a:rPr lang="en-US" smtClean="0"/>
+              <a:pPr/>
               <a:t>‹#›</a:t>
             </a:fld>
             <a:endParaRPr lang="en-US"/>
@@ -3074,14 +3099,16 @@
         </p:nvSpPr>
         <p:spPr/>
         <p:txBody>
-          <a:bodyPr/>
-          <a:lstStyle/>
-          <a:p>
-            <a:r>
-              <a:rPr lang="en-US" dirty="0" smtClean="0"/>
+          <a:bodyPr>
+            <a:normAutofit/>
+          </a:bodyPr>
+          <a:lstStyle/>
+          <a:p>
+            <a:r>
+              <a:rPr lang="en-US" sz="7200" dirty="0" smtClean="0"/>
               <a:t>Sentiment Analysis</a:t>
             </a:r>
-            <a:endParaRPr lang="en-US" dirty="0"/>
+            <a:endParaRPr lang="en-US" sz="7200" dirty="0"/>
           </a:p>
         </p:txBody>
       </p:sp>
@@ -3229,8 +3256,8 @@
         </p:blipFill>
         <p:spPr>
           <a:xfrm>
-            <a:off x="457200" y="2943197"/>
-            <a:ext cx="4040188" cy="2414644"/>
+            <a:off x="457200" y="2286000"/>
+            <a:ext cx="4040188" cy="3429000"/>
           </a:xfrm>
         </p:spPr>
       </p:pic>
@@ -3276,8 +3303,8 @@
         </p:blipFill>
         <p:spPr>
           <a:xfrm>
-            <a:off x="4645025" y="2868033"/>
-            <a:ext cx="4041775" cy="2564972"/>
+            <a:off x="4645025" y="2362200"/>
+            <a:ext cx="4041775" cy="3352800"/>
           </a:xfrm>
         </p:spPr>
       </p:pic>
@@ -3297,6 +3324,114 @@
 </file>
 
 <file path=ppt/slides/slide11.xml><?xml version="1.0" encoding="utf-8"?>
+<p:sld xmlns:a="http://schemas.openxmlformats.org/drawingml/2006/main" xmlns:r="http://schemas.openxmlformats.org/officeDocument/2006/relationships" xmlns:p="http://schemas.openxmlformats.org/presentationml/2006/main">
+  <p:cSld>
+    <p:spTree>
+      <p:nvGrpSpPr>
+        <p:cNvPr id="1" name=""/>
+        <p:cNvGrpSpPr/>
+        <p:nvPr/>
+      </p:nvGrpSpPr>
+      <p:grpSpPr>
+        <a:xfrm>
+          <a:off x="0" y="0"/>
+          <a:ext cx="0" cy="0"/>
+          <a:chOff x="0" y="0"/>
+          <a:chExt cx="0" cy="0"/>
+        </a:xfrm>
+      </p:grpSpPr>
+      <p:sp>
+        <p:nvSpPr>
+          <p:cNvPr id="2" name="Title 1"/>
+          <p:cNvSpPr>
+            <a:spLocks noGrp="1"/>
+          </p:cNvSpPr>
+          <p:nvPr>
+            <p:ph type="title"/>
+          </p:nvPr>
+        </p:nvSpPr>
+        <p:spPr/>
+        <p:txBody>
+          <a:bodyPr/>
+          <a:lstStyle/>
+          <a:p>
+            <a:r>
+              <a:rPr lang="en-US" dirty="0" smtClean="0"/>
+              <a:t>Precision-Recall Curves</a:t>
+            </a:r>
+            <a:endParaRPr lang="en-US" dirty="0"/>
+          </a:p>
+        </p:txBody>
+      </p:sp>
+      <p:sp>
+        <p:nvSpPr>
+          <p:cNvPr id="3" name="Content Placeholder 2"/>
+          <p:cNvSpPr>
+            <a:spLocks noGrp="1"/>
+          </p:cNvSpPr>
+          <p:nvPr>
+            <p:ph idx="1"/>
+          </p:nvPr>
+        </p:nvSpPr>
+        <p:spPr/>
+        <p:txBody>
+          <a:bodyPr/>
+          <a:lstStyle/>
+          <a:p>
+            <a:pPr algn="ctr"/>
+            <a:r>
+              <a:rPr lang="en-US" dirty="0" smtClean="0"/>
+              <a:t>Better than ROC for unbalanced data.</a:t>
+            </a:r>
+          </a:p>
+          <a:p>
+            <a:pPr>
+              <a:buNone/>
+            </a:pPr>
+            <a:endParaRPr lang="en-US" dirty="0"/>
+          </a:p>
+        </p:txBody>
+      </p:sp>
+      <p:pic>
+        <p:nvPicPr>
+          <p:cNvPr id="4" name="Picture 3" descr="prc.png"/>
+          <p:cNvPicPr>
+            <a:picLocks noChangeAspect="1"/>
+          </p:cNvPicPr>
+          <p:nvPr/>
+        </p:nvPicPr>
+        <p:blipFill>
+          <a:blip r:embed="rId2"/>
+          <a:stretch>
+            <a:fillRect/>
+          </a:stretch>
+        </p:blipFill>
+        <p:spPr>
+          <a:xfrm>
+            <a:off x="304800" y="2514600"/>
+            <a:ext cx="8458200" cy="3922485"/>
+          </a:xfrm>
+          <a:prstGeom prst="rect">
+            <a:avLst/>
+          </a:prstGeom>
+        </p:spPr>
+      </p:pic>
+    </p:spTree>
+  </p:cSld>
+  <p:clrMapOvr>
+    <a:masterClrMapping/>
+  </p:clrMapOvr>
+  <p:timing>
+    <p:tnLst>
+      <p:par>
+        <p:cTn id="1" dur="indefinite" restart="never" nodeType="tmRoot"/>
+      </p:par>
+    </p:tnLst>
+  </p:timing>
+</p:sld>
+</file>
+
+<file path=ppt/slides/slide12.xml><?xml version="1.0" encoding="utf-8"?>
 <p:sld xmlns:a="http://schemas.openxmlformats.org/drawingml/2006/main" xmlns:r="http://schemas.openxmlformats.org/officeDocument/2006/relationships" xmlns:p="http://schemas.openxmlformats.org/presentationml/2006/main">
   <p:cSld>
     <p:spTree>
@@ -3407,84 +3542,6 @@
 </p:sld>
 </file>
 
-<file path=ppt/slides/slide12.xml><?xml version="1.0" encoding="utf-8"?>
-<p:sld xmlns:a="http://schemas.openxmlformats.org/drawingml/2006/main" xmlns:r="http://schemas.openxmlformats.org/officeDocument/2006/relationships" xmlns:p="http://schemas.openxmlformats.org/presentationml/2006/main">
-  <p:cSld>
-    <p:spTree>
-      <p:nvGrpSpPr>
-        <p:cNvPr id="1" name=""/>
-        <p:cNvGrpSpPr/>
-        <p:nvPr/>
-      </p:nvGrpSpPr>
-      <p:grpSpPr>
-        <a:xfrm>
-          <a:off x="0" y="0"/>
-          <a:ext cx="0" cy="0"/>
-          <a:chOff x="0" y="0"/>
-          <a:chExt cx="0" cy="0"/>
-        </a:xfrm>
-      </p:grpSpPr>
-      <p:sp>
-        <p:nvSpPr>
-          <p:cNvPr id="2" name="Title 1"/>
-          <p:cNvSpPr>
-            <a:spLocks noGrp="1"/>
-          </p:cNvSpPr>
-          <p:nvPr>
-            <p:ph type="title"/>
-          </p:nvPr>
-        </p:nvSpPr>
-        <p:spPr/>
-        <p:txBody>
-          <a:bodyPr/>
-          <a:lstStyle/>
-          <a:p>
-            <a:r>
-              <a:rPr lang="en-US" dirty="0" smtClean="0"/>
-              <a:t>Comparing Evaluation Metrics</a:t>
-            </a:r>
-            <a:endParaRPr lang="en-US" dirty="0"/>
-          </a:p>
-        </p:txBody>
-      </p:sp>
-      <p:pic>
-        <p:nvPicPr>
-          <p:cNvPr id="4" name="Content Placeholder 3" descr="comp-all-cropped.png"/>
-          <p:cNvPicPr>
-            <a:picLocks noGrp="1" noChangeAspect="1"/>
-          </p:cNvPicPr>
-          <p:nvPr>
-            <p:ph idx="1"/>
-          </p:nvPr>
-        </p:nvPicPr>
-        <p:blipFill>
-          <a:blip r:embed="rId2"/>
-          <a:stretch>
-            <a:fillRect/>
-          </a:stretch>
-        </p:blipFill>
-        <p:spPr>
-          <a:xfrm>
-            <a:off x="406960" y="1981200"/>
-            <a:ext cx="8431965" cy="3810000"/>
-          </a:xfrm>
-        </p:spPr>
-      </p:pic>
-    </p:spTree>
-  </p:cSld>
-  <p:clrMapOvr>
-    <a:masterClrMapping/>
-  </p:clrMapOvr>
-  <p:timing>
-    <p:tnLst>
-      <p:par>
-        <p:cTn id="1" dur="indefinite" restart="never" nodeType="tmRoot"/>
-      </p:par>
-    </p:tnLst>
-  </p:timing>
-</p:sld>
-</file>
-
 <file path=ppt/slides/slide13.xml><?xml version="1.0" encoding="utf-8"?>
 <p:sld xmlns:a="http://schemas.openxmlformats.org/drawingml/2006/main" xmlns:r="http://schemas.openxmlformats.org/officeDocument/2006/relationships" xmlns:p="http://schemas.openxmlformats.org/presentationml/2006/main">
   <p:cSld>
@@ -3519,47 +3576,21 @@
           <a:p>
             <a:r>
               <a:rPr lang="en-US" dirty="0" smtClean="0"/>
-              <a:t>Discussion – Dataset Sampling </a:t>
-            </a:r>
-            <a:endParaRPr lang="en-US" dirty="0"/>
-          </a:p>
-        </p:txBody>
-      </p:sp>
-      <p:sp>
-        <p:nvSpPr>
-          <p:cNvPr id="3" name="Content Placeholder 2"/>
-          <p:cNvSpPr>
-            <a:spLocks noGrp="1"/>
-          </p:cNvSpPr>
-          <p:nvPr>
-            <p:ph idx="1"/>
-          </p:nvPr>
-        </p:nvSpPr>
-        <p:spPr/>
-        <p:txBody>
-          <a:bodyPr/>
-          <a:lstStyle/>
-          <a:p>
-            <a:r>
-              <a:rPr lang="en-US" dirty="0" smtClean="0"/>
-              <a:t>Sentiment140 is 800,000 negative Tweets, then 800,000 positive Tweets.</a:t>
-            </a:r>
-          </a:p>
-          <a:p>
-            <a:pPr>
-              <a:buNone/>
-            </a:pPr>
+              <a:t>Comparing Evaluation Metrics</a:t>
+            </a:r>
             <a:endParaRPr lang="en-US" dirty="0"/>
           </a:p>
         </p:txBody>
       </p:sp>
       <p:pic>
         <p:nvPicPr>
-          <p:cNvPr id="4" name="Picture 3" descr="balanced-01.png"/>
+          <p:cNvPr id="4" name="Content Placeholder 3" descr="comp-all-cropped.png"/>
           <p:cNvPicPr>
-            <a:picLocks noChangeAspect="1"/>
+            <a:picLocks noGrp="1" noChangeAspect="1"/>
           </p:cNvPicPr>
-          <p:nvPr/>
+          <p:nvPr>
+            <p:ph idx="1"/>
+          </p:nvPr>
         </p:nvPicPr>
         <p:blipFill>
           <a:blip r:embed="rId2"/>
@@ -3569,12 +3600,9 @@
         </p:blipFill>
         <p:spPr>
           <a:xfrm>
-            <a:off x="0" y="2971800"/>
-            <a:ext cx="9144000" cy="2979420"/>
+            <a:off x="228600" y="1600200"/>
+            <a:ext cx="8763000" cy="4648200"/>
           </a:xfrm>
-          <a:prstGeom prst="rect">
-            <a:avLst/>
-          </a:prstGeom>
         </p:spPr>
       </p:pic>
     </p:spTree>
@@ -3626,21 +3654,47 @@
           <a:p>
             <a:r>
               <a:rPr lang="en-US" dirty="0" smtClean="0"/>
-              <a:t>First Sign of Trouble – Word Cloud</a:t>
-            </a:r>
+              <a:t>Discussion – Dataset Sampling </a:t>
+            </a:r>
+            <a:endParaRPr lang="en-US" dirty="0"/>
+          </a:p>
+        </p:txBody>
+      </p:sp>
+      <p:sp>
+        <p:nvSpPr>
+          <p:cNvPr id="3" name="Content Placeholder 2"/>
+          <p:cNvSpPr>
+            <a:spLocks noGrp="1"/>
+          </p:cNvSpPr>
+          <p:nvPr>
+            <p:ph idx="1"/>
+          </p:nvPr>
+        </p:nvSpPr>
+        <p:spPr/>
+        <p:txBody>
+          <a:bodyPr/>
+          <a:lstStyle/>
+          <a:p>
+            <a:r>
+              <a:rPr lang="en-US" dirty="0" smtClean="0"/>
+              <a:t>Sentiment140 is 800,000 negative Tweets, then 800,000 positive Tweets.</a:t>
+            </a:r>
+          </a:p>
+          <a:p>
+            <a:pPr>
+              <a:buNone/>
+            </a:pPr>
             <a:endParaRPr lang="en-US" dirty="0"/>
           </a:p>
         </p:txBody>
       </p:sp>
       <p:pic>
         <p:nvPicPr>
-          <p:cNvPr id="4" name="Content Placeholder 3" descr="farrah-cloud.png"/>
+          <p:cNvPr id="4" name="Picture 3" descr="balanced-01.png"/>
           <p:cNvPicPr>
-            <a:picLocks noGrp="1" noChangeAspect="1"/>
+            <a:picLocks noChangeAspect="1"/>
           </p:cNvPicPr>
-          <p:nvPr>
-            <p:ph idx="1"/>
-          </p:nvPr>
+          <p:nvPr/>
         </p:nvPicPr>
         <p:blipFill>
           <a:blip r:embed="rId2"/>
@@ -3650,9 +3704,12 @@
         </p:blipFill>
         <p:spPr>
           <a:xfrm>
-            <a:off x="533400" y="1600200"/>
-            <a:ext cx="8001000" cy="4525963"/>
+            <a:off x="-152400" y="2667000"/>
+            <a:ext cx="9144000" cy="3657600"/>
           </a:xfrm>
+          <a:prstGeom prst="rect">
+            <a:avLst/>
+          </a:prstGeom>
         </p:spPr>
       </p:pic>
     </p:spTree>
@@ -3704,7 +3761,7 @@
           <a:p>
             <a:r>
               <a:rPr lang="en-US" dirty="0" smtClean="0"/>
-              <a:t>More Trouble – Selected N-Grams</a:t>
+              <a:t>First Sign of Trouble – Word Cloud</a:t>
             </a:r>
             <a:endParaRPr lang="en-US" dirty="0"/>
           </a:p>
@@ -3712,7 +3769,7 @@
       </p:sp>
       <p:pic>
         <p:nvPicPr>
-          <p:cNvPr id="4" name="Content Placeholder 3" descr="farrah-ngrams-cloud.png"/>
+          <p:cNvPr id="4" name="Content Placeholder 3" descr="farrah-cloud.png"/>
           <p:cNvPicPr>
             <a:picLocks noGrp="1" noChangeAspect="1"/>
           </p:cNvPicPr>
@@ -3728,8 +3785,8 @@
         </p:blipFill>
         <p:spPr>
           <a:xfrm>
-            <a:off x="457200" y="1371600"/>
-            <a:ext cx="8153400" cy="5029200"/>
+            <a:off x="533400" y="1600200"/>
+            <a:ext cx="8001000" cy="4525963"/>
           </a:xfrm>
         </p:spPr>
       </p:pic>
@@ -3781,6 +3838,84 @@
           <a:lstStyle/>
           <a:p>
             <a:r>
+              <a:rPr lang="en-US" dirty="0" smtClean="0"/>
+              <a:t>More Trouble – Selected N-Grams</a:t>
+            </a:r>
+            <a:endParaRPr lang="en-US" dirty="0"/>
+          </a:p>
+        </p:txBody>
+      </p:sp>
+      <p:pic>
+        <p:nvPicPr>
+          <p:cNvPr id="4" name="Content Placeholder 3" descr="farrah-ngrams-cloud.png"/>
+          <p:cNvPicPr>
+            <a:picLocks noGrp="1" noChangeAspect="1"/>
+          </p:cNvPicPr>
+          <p:nvPr>
+            <p:ph idx="1"/>
+          </p:nvPr>
+        </p:nvPicPr>
+        <p:blipFill>
+          <a:blip r:embed="rId2"/>
+          <a:stretch>
+            <a:fillRect/>
+          </a:stretch>
+        </p:blipFill>
+        <p:spPr>
+          <a:xfrm>
+            <a:off x="457200" y="1371600"/>
+            <a:ext cx="8153400" cy="5029200"/>
+          </a:xfrm>
+        </p:spPr>
+      </p:pic>
+    </p:spTree>
+  </p:cSld>
+  <p:clrMapOvr>
+    <a:masterClrMapping/>
+  </p:clrMapOvr>
+  <p:timing>
+    <p:tnLst>
+      <p:par>
+        <p:cTn id="1" dur="indefinite" restart="never" nodeType="tmRoot"/>
+      </p:par>
+    </p:tnLst>
+  </p:timing>
+</p:sld>
+</file>
+
+<file path=ppt/slides/slide17.xml><?xml version="1.0" encoding="utf-8"?>
+<p:sld xmlns:a="http://schemas.openxmlformats.org/drawingml/2006/main" xmlns:r="http://schemas.openxmlformats.org/officeDocument/2006/relationships" xmlns:p="http://schemas.openxmlformats.org/presentationml/2006/main">
+  <p:cSld>
+    <p:spTree>
+      <p:nvGrpSpPr>
+        <p:cNvPr id="1" name=""/>
+        <p:cNvGrpSpPr/>
+        <p:nvPr/>
+      </p:nvGrpSpPr>
+      <p:grpSpPr>
+        <a:xfrm>
+          <a:off x="0" y="0"/>
+          <a:ext cx="0" cy="0"/>
+          <a:chOff x="0" y="0"/>
+          <a:chExt cx="0" cy="0"/>
+        </a:xfrm>
+      </p:grpSpPr>
+      <p:sp>
+        <p:nvSpPr>
+          <p:cNvPr id="2" name="Title 1"/>
+          <p:cNvSpPr>
+            <a:spLocks noGrp="1"/>
+          </p:cNvSpPr>
+          <p:nvPr>
+            <p:ph type="title"/>
+          </p:nvPr>
+        </p:nvSpPr>
+        <p:spPr/>
+        <p:txBody>
+          <a:bodyPr/>
+          <a:lstStyle/>
+          <a:p>
+            <a:r>
               <a:rPr lang="en-US" dirty="0" err="1" smtClean="0"/>
               <a:t>Farrah</a:t>
             </a:r>
@@ -3833,7 +3968,7 @@
 </p:sld>
 </file>
 
-<file path=ppt/slides/slide17.xml><?xml version="1.0" encoding="utf-8"?>
+<file path=ppt/slides/slide18.xml><?xml version="1.0" encoding="utf-8"?>
 <p:sld xmlns:a="http://schemas.openxmlformats.org/drawingml/2006/main" xmlns:r="http://schemas.openxmlformats.org/officeDocument/2006/relationships" xmlns:p="http://schemas.openxmlformats.org/presentationml/2006/main">
   <p:cSld>
     <p:spTree>
@@ -3932,7 +4067,7 @@
         <p:spPr>
           <a:xfrm>
             <a:off x="-381000" y="2819400"/>
-            <a:ext cx="9677400" cy="3284220"/>
+            <a:ext cx="9677400" cy="3733800"/>
           </a:xfrm>
           <a:prstGeom prst="rect">
             <a:avLst/>
@@ -3947,119 +4082,6 @@
   <p:transition spd="slow">
     <p:dissolve/>
   </p:transition>
-  <p:timing>
-    <p:tnLst>
-      <p:par>
-        <p:cTn id="1" dur="indefinite" restart="never" nodeType="tmRoot"/>
-      </p:par>
-    </p:tnLst>
-  </p:timing>
-</p:sld>
-</file>
-
-<file path=ppt/slides/slide18.xml><?xml version="1.0" encoding="utf-8"?>
-<p:sld xmlns:a="http://schemas.openxmlformats.org/drawingml/2006/main" xmlns:r="http://schemas.openxmlformats.org/officeDocument/2006/relationships" xmlns:p="http://schemas.openxmlformats.org/presentationml/2006/main">
-  <p:cSld>
-    <p:spTree>
-      <p:nvGrpSpPr>
-        <p:cNvPr id="1" name=""/>
-        <p:cNvGrpSpPr/>
-        <p:nvPr/>
-      </p:nvGrpSpPr>
-      <p:grpSpPr>
-        <a:xfrm>
-          <a:off x="0" y="0"/>
-          <a:ext cx="0" cy="0"/>
-          <a:chOff x="0" y="0"/>
-          <a:chExt cx="0" cy="0"/>
-        </a:xfrm>
-      </p:grpSpPr>
-      <p:sp>
-        <p:nvSpPr>
-          <p:cNvPr id="2" name="Title 1"/>
-          <p:cNvSpPr>
-            <a:spLocks noGrp="1"/>
-          </p:cNvSpPr>
-          <p:nvPr>
-            <p:ph type="title"/>
-          </p:nvPr>
-        </p:nvSpPr>
-        <p:spPr/>
-        <p:txBody>
-          <a:bodyPr/>
-          <a:lstStyle/>
-          <a:p>
-            <a:r>
-              <a:rPr lang="en-US" dirty="0" smtClean="0"/>
-              <a:t>Random Sampling is the Fix.</a:t>
-            </a:r>
-            <a:endParaRPr lang="en-US" dirty="0"/>
-          </a:p>
-        </p:txBody>
-      </p:sp>
-      <p:sp>
-        <p:nvSpPr>
-          <p:cNvPr id="3" name="Content Placeholder 2"/>
-          <p:cNvSpPr>
-            <a:spLocks noGrp="1"/>
-          </p:cNvSpPr>
-          <p:nvPr>
-            <p:ph idx="1"/>
-          </p:nvPr>
-        </p:nvSpPr>
-        <p:spPr/>
-        <p:txBody>
-          <a:bodyPr/>
-          <a:lstStyle/>
-          <a:p>
-            <a:r>
-              <a:rPr lang="en-US" dirty="0" smtClean="0"/>
-              <a:t>But before we double back and fix that, let’s evaluate models trained on this mistake to compare and contrast!</a:t>
-            </a:r>
-          </a:p>
-          <a:p>
-            <a:pPr>
-              <a:buNone/>
-            </a:pPr>
-            <a:endParaRPr lang="en-US" dirty="0"/>
-          </a:p>
-          <a:p>
-            <a:pPr>
-              <a:buNone/>
-            </a:pPr>
-            <a:endParaRPr lang="en-US" dirty="0"/>
-          </a:p>
-        </p:txBody>
-      </p:sp>
-      <p:pic>
-        <p:nvPicPr>
-          <p:cNvPr id="4" name="Picture 3" descr="CRISP-DM-backsq1.png"/>
-          <p:cNvPicPr>
-            <a:picLocks noChangeAspect="1"/>
-          </p:cNvPicPr>
-          <p:nvPr/>
-        </p:nvPicPr>
-        <p:blipFill>
-          <a:blip r:embed="rId2"/>
-          <a:stretch>
-            <a:fillRect/>
-          </a:stretch>
-        </p:blipFill>
-        <p:spPr>
-          <a:xfrm>
-            <a:off x="152400" y="3810000"/>
-            <a:ext cx="8839200" cy="1987164"/>
-          </a:xfrm>
-          <a:prstGeom prst="rect">
-            <a:avLst/>
-          </a:prstGeom>
-        </p:spPr>
-      </p:pic>
-    </p:spTree>
-  </p:cSld>
-  <p:clrMapOvr>
-    <a:masterClrMapping/>
-  </p:clrMapOvr>
   <p:timing>
     <p:tnLst>
       <p:par>
@@ -4099,14 +4121,12 @@
         </p:nvSpPr>
         <p:spPr/>
         <p:txBody>
-          <a:bodyPr>
-            <a:normAutofit/>
-          </a:bodyPr>
-          <a:lstStyle/>
-          <a:p>
-            <a:r>
-              <a:rPr lang="en-US" dirty="0" smtClean="0"/>
-              <a:t>Bad Data Sampling, Better Results</a:t>
+          <a:bodyPr/>
+          <a:lstStyle/>
+          <a:p>
+            <a:r>
+              <a:rPr lang="en-US" dirty="0" smtClean="0"/>
+              <a:t>Random Sampling is the Fix.</a:t>
             </a:r>
             <a:endParaRPr lang="en-US" dirty="0"/>
           </a:p>
@@ -4129,11 +4149,8 @@
           <a:p>
             <a:r>
               <a:rPr lang="en-US" dirty="0" smtClean="0"/>
-              <a:t>Some evaluation metrics come out 10+% higher on poorly sampled data</a:t>
-            </a:r>
-          </a:p>
-          <a:p>
-            <a:endParaRPr lang="en-US" dirty="0"/>
+              <a:t>But before we double back and fix that, let’s evaluate models trained on this mistake to compare and contrast!</a:t>
+            </a:r>
           </a:p>
           <a:p>
             <a:pPr>
@@ -4141,11 +4158,17 @@
             </a:pPr>
             <a:endParaRPr lang="en-US" dirty="0"/>
           </a:p>
+          <a:p>
+            <a:pPr>
+              <a:buNone/>
+            </a:pPr>
+            <a:endParaRPr lang="en-US" dirty="0"/>
+          </a:p>
         </p:txBody>
       </p:sp>
       <p:pic>
         <p:nvPicPr>
-          <p:cNvPr id="4" name="Picture 3" descr="comp-sel-cropped.png"/>
+          <p:cNvPr id="4" name="Picture 3" descr="CRISP-DM-backsq1.png"/>
           <p:cNvPicPr>
             <a:picLocks noChangeAspect="1"/>
           </p:cNvPicPr>
@@ -4159,8 +4182,8 @@
         </p:blipFill>
         <p:spPr>
           <a:xfrm>
-            <a:off x="0" y="3200400"/>
-            <a:ext cx="9184621" cy="2914725"/>
+            <a:off x="152400" y="3581400"/>
+            <a:ext cx="8839200" cy="2362200"/>
           </a:xfrm>
           <a:prstGeom prst="rect">
             <a:avLst/>
@@ -4352,12 +4375,14 @@
         </p:nvSpPr>
         <p:spPr/>
         <p:txBody>
-          <a:bodyPr/>
-          <a:lstStyle/>
-          <a:p>
-            <a:r>
-              <a:rPr lang="en-US" dirty="0" smtClean="0"/>
-              <a:t>Conclusions</a:t>
+          <a:bodyPr>
+            <a:normAutofit/>
+          </a:bodyPr>
+          <a:lstStyle/>
+          <a:p>
+            <a:r>
+              <a:rPr lang="en-US" dirty="0" smtClean="0"/>
+              <a:t>Bad Data Sampling, Better Results</a:t>
             </a:r>
             <a:endParaRPr lang="en-US" dirty="0"/>
           </a:p>
@@ -4380,38 +4405,44 @@
           <a:p>
             <a:r>
               <a:rPr lang="en-US" dirty="0" smtClean="0"/>
-              <a:t>Logistic Regression and </a:t>
-            </a:r>
-            <a:r>
-              <a:rPr lang="en-US" dirty="0" err="1" smtClean="0"/>
-              <a:t>LinearSVC</a:t>
-            </a:r>
-            <a:r>
-              <a:rPr lang="en-US" dirty="0" smtClean="0"/>
-              <a:t> consistently scored the best on multiple evaluation metrics</a:t>
-            </a:r>
-          </a:p>
-          <a:p>
-            <a:r>
-              <a:rPr lang="en-US" dirty="0" smtClean="0"/>
-              <a:t>SVC sometimes scores trivially higher, but Regression is inherently more Interpretable (parametric vs. non-parametric)</a:t>
-            </a:r>
-          </a:p>
-          <a:p>
-            <a:r>
-              <a:rPr lang="en-US" dirty="0" smtClean="0"/>
-              <a:t>Random Sampling is critical!</a:t>
-            </a:r>
-          </a:p>
-          <a:p>
-            <a:r>
-              <a:rPr lang="en-US" dirty="0" smtClean="0"/>
-              <a:t>Ensemble Methods not advanced enough yet to beat standalone models</a:t>
-            </a:r>
+              <a:t>Some evaluation metrics come out 10+% higher on poorly sampled data</a:t>
+            </a:r>
+          </a:p>
+          <a:p>
             <a:endParaRPr lang="en-US" dirty="0"/>
           </a:p>
-        </p:txBody>
-      </p:sp>
+          <a:p>
+            <a:pPr>
+              <a:buNone/>
+            </a:pPr>
+            <a:endParaRPr lang="en-US" dirty="0"/>
+          </a:p>
+        </p:txBody>
+      </p:sp>
+      <p:pic>
+        <p:nvPicPr>
+          <p:cNvPr id="4" name="Picture 3" descr="comp-sel-cropped.png"/>
+          <p:cNvPicPr>
+            <a:picLocks noChangeAspect="1"/>
+          </p:cNvPicPr>
+          <p:nvPr/>
+        </p:nvPicPr>
+        <p:blipFill>
+          <a:blip r:embed="rId2"/>
+          <a:stretch>
+            <a:fillRect/>
+          </a:stretch>
+        </p:blipFill>
+        <p:spPr>
+          <a:xfrm>
+            <a:off x="0" y="2819400"/>
+            <a:ext cx="9184621" cy="3657600"/>
+          </a:xfrm>
+          <a:prstGeom prst="rect">
+            <a:avLst/>
+          </a:prstGeom>
+        </p:spPr>
+      </p:pic>
     </p:spTree>
   </p:cSld>
   <p:clrMapOvr>
@@ -4461,7 +4492,7 @@
           <a:p>
             <a:r>
               <a:rPr lang="en-US" dirty="0" smtClean="0"/>
-              <a:t>Recommendations</a:t>
+              <a:t>Conclusions</a:t>
             </a:r>
             <a:endParaRPr lang="en-US" dirty="0"/>
           </a:p>
@@ -4479,32 +4510,38 @@
         </p:nvSpPr>
         <p:spPr/>
         <p:txBody>
-          <a:bodyPr>
-            <a:normAutofit fontScale="92500"/>
-          </a:bodyPr>
-          <a:lstStyle/>
-          <a:p>
-            <a:r>
-              <a:rPr lang="en-US" dirty="0" smtClean="0"/>
-              <a:t>Run bigger datasets for algorithms that performed poorly, but suggested potential for improvement</a:t>
-            </a:r>
-          </a:p>
-          <a:p>
-            <a:r>
-              <a:rPr lang="en-US" dirty="0" smtClean="0"/>
-              <a:t>Improve Ensemble Methods by mixing more model types in ensemble</a:t>
-            </a:r>
-          </a:p>
-          <a:p>
-            <a:r>
-              <a:rPr lang="en-US" dirty="0" smtClean="0"/>
-              <a:t>Feature Engineering with Word Embeddings and Language Models</a:t>
-            </a:r>
-          </a:p>
-          <a:p>
-            <a:r>
-              <a:rPr lang="en-US" dirty="0" smtClean="0"/>
-              <a:t>Lots of other model types to try – Sentiment140 team used Maximum Entropy Classifier</a:t>
+          <a:bodyPr/>
+          <a:lstStyle/>
+          <a:p>
+            <a:r>
+              <a:rPr lang="en-US" dirty="0" smtClean="0"/>
+              <a:t>Logistic Regression and </a:t>
+            </a:r>
+            <a:r>
+              <a:rPr lang="en-US" dirty="0" err="1" smtClean="0"/>
+              <a:t>LinearSVC</a:t>
+            </a:r>
+            <a:r>
+              <a:rPr lang="en-US" dirty="0" smtClean="0"/>
+              <a:t> consistently scored the best on multiple evaluation metrics</a:t>
+            </a:r>
+          </a:p>
+          <a:p>
+            <a:r>
+              <a:rPr lang="en-US" dirty="0" smtClean="0"/>
+              <a:t>SVC sometimes scores trivially higher, but Regression is inherently more Interpretable (parametric vs. non-parametric)</a:t>
+            </a:r>
+          </a:p>
+          <a:p>
+            <a:r>
+              <a:rPr lang="en-US" dirty="0" smtClean="0"/>
+              <a:t>Random Sampling is critical!</a:t>
+            </a:r>
+          </a:p>
+          <a:p>
+            <a:r>
+              <a:rPr lang="en-US" dirty="0" smtClean="0"/>
+              <a:t>Ensemble Methods not advanced enough yet to beat standalone models</a:t>
             </a:r>
             <a:endParaRPr lang="en-US" dirty="0"/>
           </a:p>
@@ -4559,7 +4596,7 @@
           <a:p>
             <a:r>
               <a:rPr lang="en-US" dirty="0" smtClean="0"/>
-              <a:t>Future Work</a:t>
+              <a:t>Recommendations</a:t>
             </a:r>
             <a:endParaRPr lang="en-US" dirty="0"/>
           </a:p>
@@ -4577,32 +4614,32 @@
         </p:nvSpPr>
         <p:spPr/>
         <p:txBody>
-          <a:bodyPr/>
-          <a:lstStyle/>
-          <a:p>
-            <a:r>
-              <a:rPr lang="en-US" dirty="0" smtClean="0"/>
-              <a:t>In the spirit of “Distant Supervision” and noisy labels, use a Sentiment Classifier to label a conversational dataset.</a:t>
-            </a:r>
-          </a:p>
-          <a:p>
-            <a:r>
-              <a:rPr lang="en-US" dirty="0" smtClean="0"/>
-              <a:t>Engineers Features based on Improvements in Sentiment during a conversation</a:t>
-            </a:r>
-          </a:p>
-          <a:p>
-            <a:r>
-              <a:rPr lang="en-US" dirty="0" smtClean="0"/>
-              <a:t>Train a </a:t>
-            </a:r>
-            <a:r>
-              <a:rPr lang="en-US" dirty="0" err="1" smtClean="0"/>
-              <a:t>chatbot</a:t>
-            </a:r>
-            <a:r>
-              <a:rPr lang="en-US" dirty="0" smtClean="0"/>
-              <a:t> for everything it’s supposed to do, plus account for optimizing a user’s sentiment during the conversation.</a:t>
+          <a:bodyPr>
+            <a:normAutofit fontScale="92500"/>
+          </a:bodyPr>
+          <a:lstStyle/>
+          <a:p>
+            <a:r>
+              <a:rPr lang="en-US" dirty="0" smtClean="0"/>
+              <a:t>Run bigger datasets for algorithms that performed poorly, but suggested potential for improvement</a:t>
+            </a:r>
+          </a:p>
+          <a:p>
+            <a:r>
+              <a:rPr lang="en-US" dirty="0" smtClean="0"/>
+              <a:t>Improve Ensemble Methods by mixing more model types in ensemble</a:t>
+            </a:r>
+          </a:p>
+          <a:p>
+            <a:r>
+              <a:rPr lang="en-US" dirty="0" smtClean="0"/>
+              <a:t>Feature Engineering with Word Embeddings and Language Models</a:t>
+            </a:r>
+          </a:p>
+          <a:p>
+            <a:r>
+              <a:rPr lang="en-US" dirty="0" smtClean="0"/>
+              <a:t>Lots of other model types to try – Sentiment140 team used Maximum Entropy Classifier</a:t>
             </a:r>
             <a:endParaRPr lang="en-US" dirty="0"/>
           </a:p>
@@ -4679,66 +4716,33 @@
           <a:lstStyle/>
           <a:p>
             <a:r>
-              <a:rPr lang="en-US" b="1" dirty="0" smtClean="0"/>
-              <a:t>Bigger ideas</a:t>
-            </a:r>
-          </a:p>
-          <a:p>
-            <a:r>
-              <a:rPr lang="en-US" dirty="0" smtClean="0"/>
-              <a:t>Bigger data</a:t>
-            </a:r>
-          </a:p>
-          <a:p>
-            <a:r>
-              <a:rPr lang="en-US" dirty="0" smtClean="0"/>
-              <a:t>More powerful algorithms</a:t>
-            </a:r>
-          </a:p>
-          <a:p>
-            <a:r>
-              <a:rPr lang="en-US" dirty="0" smtClean="0"/>
-              <a:t>More computing power</a:t>
-            </a:r>
-          </a:p>
-          <a:p>
-            <a:pPr>
-              <a:buNone/>
-            </a:pPr>
-            <a:endParaRPr lang="en-US" dirty="0" smtClean="0"/>
-          </a:p>
-          <a:p>
-            <a:pPr>
-              <a:buNone/>
-            </a:pPr>
+              <a:rPr lang="en-US" dirty="0" smtClean="0"/>
+              <a:t>In the spirit of “Distant Supervision” and noisy labels, use a Sentiment Classifier to label a conversational dataset.</a:t>
+            </a:r>
+          </a:p>
+          <a:p>
+            <a:r>
+              <a:rPr lang="en-US" dirty="0" smtClean="0"/>
+              <a:t>Engineers Features based on Improvements in Sentiment during a conversation</a:t>
+            </a:r>
+          </a:p>
+          <a:p>
+            <a:r>
+              <a:rPr lang="en-US" dirty="0" smtClean="0"/>
+              <a:t>Train a </a:t>
+            </a:r>
+            <a:r>
+              <a:rPr lang="en-US" dirty="0" err="1" smtClean="0"/>
+              <a:t>chatbot</a:t>
+            </a:r>
+            <a:r>
+              <a:rPr lang="en-US" dirty="0" smtClean="0"/>
+              <a:t> for everything it’s supposed to do, plus account for optimizing a user’s sentiment during the conversation.</a:t>
+            </a:r>
             <a:endParaRPr lang="en-US" dirty="0"/>
           </a:p>
         </p:txBody>
       </p:sp>
-      <p:pic>
-        <p:nvPicPr>
-          <p:cNvPr id="4" name="Picture 3" descr="CRISP-DM-future.png"/>
-          <p:cNvPicPr>
-            <a:picLocks noChangeAspect="1"/>
-          </p:cNvPicPr>
-          <p:nvPr/>
-        </p:nvPicPr>
-        <p:blipFill>
-          <a:blip r:embed="rId2"/>
-          <a:stretch>
-            <a:fillRect/>
-          </a:stretch>
-        </p:blipFill>
-        <p:spPr>
-          <a:xfrm>
-            <a:off x="228600" y="3962400"/>
-            <a:ext cx="8686800" cy="1987164"/>
-          </a:xfrm>
-          <a:prstGeom prst="rect">
-            <a:avLst/>
-          </a:prstGeom>
-        </p:spPr>
-      </p:pic>
     </p:spTree>
   </p:cSld>
   <p:clrMapOvr>
@@ -4783,14 +4787,12 @@
         </p:nvSpPr>
         <p:spPr/>
         <p:txBody>
-          <a:bodyPr>
-            <a:normAutofit/>
-          </a:bodyPr>
-          <a:lstStyle/>
-          <a:p>
-            <a:r>
-              <a:rPr lang="en-US" dirty="0" smtClean="0"/>
-              <a:t>Example 1 – Customer Support</a:t>
+          <a:bodyPr/>
+          <a:lstStyle/>
+          <a:p>
+            <a:r>
+              <a:rPr lang="en-US" dirty="0" smtClean="0"/>
+              <a:t>Future Work</a:t>
             </a:r>
             <a:endParaRPr lang="en-US" dirty="0"/>
           </a:p>
@@ -4812,39 +4814,66 @@
           <a:lstStyle/>
           <a:p>
             <a:r>
-              <a:rPr lang="en-US" dirty="0" smtClean="0"/>
-              <a:t>E.g. call if washing machine doesn’t work</a:t>
-            </a:r>
-          </a:p>
-          <a:p>
-            <a:r>
-              <a:rPr lang="en-US" dirty="0" err="1" smtClean="0"/>
-              <a:t>Chatbot</a:t>
-            </a:r>
-            <a:r>
-              <a:rPr lang="en-US" dirty="0" smtClean="0"/>
-              <a:t> can tell if user is upset, is trained in what things to say might help calm user</a:t>
-            </a:r>
-          </a:p>
-          <a:p>
-            <a:r>
-              <a:rPr lang="en-US" dirty="0" smtClean="0"/>
-              <a:t>Increase user engagement and optimism, and therefore success rate of support service</a:t>
-            </a:r>
-          </a:p>
-          <a:p>
-            <a:r>
-              <a:rPr lang="en-US" dirty="0" err="1" smtClean="0"/>
-              <a:t>Chatbot</a:t>
-            </a:r>
-            <a:r>
-              <a:rPr lang="en-US" dirty="0" smtClean="0"/>
-              <a:t> must still be able to perform its primary task, even if it is enabled to help the user’s state of mind when needed.</a:t>
-            </a:r>
+              <a:rPr lang="en-US" b="1" dirty="0" smtClean="0"/>
+              <a:t>Bigger ideas</a:t>
+            </a:r>
+          </a:p>
+          <a:p>
+            <a:r>
+              <a:rPr lang="en-US" dirty="0" smtClean="0"/>
+              <a:t>Bigger data</a:t>
+            </a:r>
+          </a:p>
+          <a:p>
+            <a:r>
+              <a:rPr lang="en-US" dirty="0" smtClean="0"/>
+              <a:t>More powerful algorithms</a:t>
+            </a:r>
+          </a:p>
+          <a:p>
+            <a:r>
+              <a:rPr lang="en-US" dirty="0" smtClean="0"/>
+              <a:t>More computing power</a:t>
+            </a:r>
+          </a:p>
+          <a:p>
+            <a:pPr>
+              <a:buNone/>
+            </a:pPr>
+            <a:endParaRPr lang="en-US" dirty="0" smtClean="0"/>
+          </a:p>
+          <a:p>
+            <a:pPr>
+              <a:buNone/>
+            </a:pPr>
             <a:endParaRPr lang="en-US" dirty="0"/>
           </a:p>
         </p:txBody>
       </p:sp>
+      <p:pic>
+        <p:nvPicPr>
+          <p:cNvPr id="4" name="Picture 3" descr="CRISP-DM-future.png"/>
+          <p:cNvPicPr>
+            <a:picLocks noChangeAspect="1"/>
+          </p:cNvPicPr>
+          <p:nvPr/>
+        </p:nvPicPr>
+        <p:blipFill>
+          <a:blip r:embed="rId2"/>
+          <a:stretch>
+            <a:fillRect/>
+          </a:stretch>
+        </p:blipFill>
+        <p:spPr>
+          <a:xfrm>
+            <a:off x="228600" y="3962400"/>
+            <a:ext cx="8686800" cy="2209800"/>
+          </a:xfrm>
+          <a:prstGeom prst="rect">
+            <a:avLst/>
+          </a:prstGeom>
+        </p:spPr>
+      </p:pic>
     </p:spTree>
   </p:cSld>
   <p:clrMapOvr>
@@ -4889,6 +4918,112 @@
         </p:nvSpPr>
         <p:spPr/>
         <p:txBody>
+          <a:bodyPr>
+            <a:normAutofit/>
+          </a:bodyPr>
+          <a:lstStyle/>
+          <a:p>
+            <a:r>
+              <a:rPr lang="en-US" dirty="0" smtClean="0"/>
+              <a:t>Example 1 – Customer Support</a:t>
+            </a:r>
+            <a:endParaRPr lang="en-US" dirty="0"/>
+          </a:p>
+        </p:txBody>
+      </p:sp>
+      <p:sp>
+        <p:nvSpPr>
+          <p:cNvPr id="3" name="Content Placeholder 2"/>
+          <p:cNvSpPr>
+            <a:spLocks noGrp="1"/>
+          </p:cNvSpPr>
+          <p:nvPr>
+            <p:ph idx="1"/>
+          </p:nvPr>
+        </p:nvSpPr>
+        <p:spPr/>
+        <p:txBody>
+          <a:bodyPr/>
+          <a:lstStyle/>
+          <a:p>
+            <a:r>
+              <a:rPr lang="en-US" dirty="0" smtClean="0"/>
+              <a:t>E.g. call if washing machine doesn’t work</a:t>
+            </a:r>
+          </a:p>
+          <a:p>
+            <a:r>
+              <a:rPr lang="en-US" dirty="0" err="1" smtClean="0"/>
+              <a:t>Chatbot</a:t>
+            </a:r>
+            <a:r>
+              <a:rPr lang="en-US" dirty="0" smtClean="0"/>
+              <a:t> can tell if user is upset, is trained in what things to say might help calm user</a:t>
+            </a:r>
+          </a:p>
+          <a:p>
+            <a:r>
+              <a:rPr lang="en-US" dirty="0" smtClean="0"/>
+              <a:t>Increase user engagement and optimism, and therefore success rate of support service</a:t>
+            </a:r>
+          </a:p>
+          <a:p>
+            <a:r>
+              <a:rPr lang="en-US" dirty="0" err="1" smtClean="0"/>
+              <a:t>Chatbot</a:t>
+            </a:r>
+            <a:r>
+              <a:rPr lang="en-US" dirty="0" smtClean="0"/>
+              <a:t> must still be able to perform its primary task, even if it is enabled to help the user’s state of mind when needed.</a:t>
+            </a:r>
+            <a:endParaRPr lang="en-US" dirty="0"/>
+          </a:p>
+        </p:txBody>
+      </p:sp>
+    </p:spTree>
+  </p:cSld>
+  <p:clrMapOvr>
+    <a:masterClrMapping/>
+  </p:clrMapOvr>
+  <p:timing>
+    <p:tnLst>
+      <p:par>
+        <p:cTn id="1" dur="indefinite" restart="never" nodeType="tmRoot"/>
+      </p:par>
+    </p:tnLst>
+  </p:timing>
+</p:sld>
+</file>
+
+<file path=ppt/slides/slide26.xml><?xml version="1.0" encoding="utf-8"?>
+<p:sld xmlns:a="http://schemas.openxmlformats.org/drawingml/2006/main" xmlns:r="http://schemas.openxmlformats.org/officeDocument/2006/relationships" xmlns:p="http://schemas.openxmlformats.org/presentationml/2006/main">
+  <p:cSld>
+    <p:spTree>
+      <p:nvGrpSpPr>
+        <p:cNvPr id="1" name=""/>
+        <p:cNvGrpSpPr/>
+        <p:nvPr/>
+      </p:nvGrpSpPr>
+      <p:grpSpPr>
+        <a:xfrm>
+          <a:off x="0" y="0"/>
+          <a:ext cx="0" cy="0"/>
+          <a:chOff x="0" y="0"/>
+          <a:chExt cx="0" cy="0"/>
+        </a:xfrm>
+      </p:grpSpPr>
+      <p:sp>
+        <p:nvSpPr>
+          <p:cNvPr id="2" name="Title 1"/>
+          <p:cNvSpPr>
+            <a:spLocks noGrp="1"/>
+          </p:cNvSpPr>
+          <p:nvPr>
+            <p:ph type="title"/>
+          </p:nvPr>
+        </p:nvSpPr>
+        <p:spPr/>
+        <p:txBody>
           <a:bodyPr/>
           <a:lstStyle/>
           <a:p>
@@ -4941,147 +5076,6 @@
 </p:sld>
 </file>
 
-<file path=ppt/slides/slide26.xml><?xml version="1.0" encoding="utf-8"?>
-<p:sld xmlns:a="http://schemas.openxmlformats.org/drawingml/2006/main" xmlns:r="http://schemas.openxmlformats.org/officeDocument/2006/relationships" xmlns:p="http://schemas.openxmlformats.org/presentationml/2006/main">
-  <p:cSld>
-    <p:spTree>
-      <p:nvGrpSpPr>
-        <p:cNvPr id="1" name=""/>
-        <p:cNvGrpSpPr/>
-        <p:nvPr/>
-      </p:nvGrpSpPr>
-      <p:grpSpPr>
-        <a:xfrm>
-          <a:off x="0" y="0"/>
-          <a:ext cx="0" cy="0"/>
-          <a:chOff x="0" y="0"/>
-          <a:chExt cx="0" cy="0"/>
-        </a:xfrm>
-      </p:grpSpPr>
-      <p:sp>
-        <p:nvSpPr>
-          <p:cNvPr id="2" name="Title 1"/>
-          <p:cNvSpPr>
-            <a:spLocks noGrp="1"/>
-          </p:cNvSpPr>
-          <p:nvPr>
-            <p:ph type="title"/>
-          </p:nvPr>
-        </p:nvSpPr>
-        <p:spPr/>
-        <p:txBody>
-          <a:bodyPr/>
-          <a:lstStyle/>
-          <a:p>
-            <a:r>
-              <a:rPr lang="en-US" dirty="0" smtClean="0"/>
-              <a:t>Bibliography</a:t>
-            </a:r>
-            <a:endParaRPr lang="en-US" dirty="0"/>
-          </a:p>
-        </p:txBody>
-      </p:sp>
-      <p:sp>
-        <p:nvSpPr>
-          <p:cNvPr id="3" name="Content Placeholder 2"/>
-          <p:cNvSpPr>
-            <a:spLocks noGrp="1"/>
-          </p:cNvSpPr>
-          <p:nvPr>
-            <p:ph idx="1"/>
-          </p:nvPr>
-        </p:nvSpPr>
-        <p:spPr/>
-        <p:txBody>
-          <a:bodyPr/>
-          <a:lstStyle/>
-          <a:p>
-            <a:r>
-              <a:rPr lang="en-US" sz="2400" dirty="0"/>
-              <a:t>Sentiment140 for Academics</a:t>
-            </a:r>
-          </a:p>
-          <a:p>
-            <a:pPr>
-              <a:buNone/>
-            </a:pPr>
-            <a:r>
-              <a:rPr lang="en-US" sz="2400" u="sng" dirty="0">
-                <a:hlinkClick r:id="rId2"/>
-              </a:rPr>
-              <a:t>http://</a:t>
-            </a:r>
-            <a:r>
-              <a:rPr lang="en-US" sz="2400" u="sng" dirty="0" smtClean="0">
-                <a:hlinkClick r:id="rId2"/>
-              </a:rPr>
-              <a:t>help.sentiment140.com/for-students</a:t>
-            </a:r>
-            <a:endParaRPr lang="en-US" sz="2400" u="sng" dirty="0" smtClean="0"/>
-          </a:p>
-          <a:p>
-            <a:pPr>
-              <a:buNone/>
-            </a:pPr>
-            <a:endParaRPr lang="en-US" sz="2400" dirty="0"/>
-          </a:p>
-          <a:p>
-            <a:r>
-              <a:rPr lang="en-US" sz="2400" dirty="0"/>
-              <a:t>Twitter Sentiment Classification using Distant Supervision - Alec Go, </a:t>
-            </a:r>
-            <a:r>
-              <a:rPr lang="en-US" sz="2400" dirty="0" err="1"/>
-              <a:t>Richa</a:t>
-            </a:r>
-            <a:r>
-              <a:rPr lang="en-US" sz="2400" dirty="0"/>
-              <a:t> </a:t>
-            </a:r>
-            <a:r>
-              <a:rPr lang="en-US" sz="2400" dirty="0" err="1"/>
-              <a:t>Bhayani</a:t>
-            </a:r>
-            <a:r>
-              <a:rPr lang="en-US" sz="2400" dirty="0"/>
-              <a:t>, Lei Huang, 2009</a:t>
-            </a:r>
-          </a:p>
-          <a:p>
-            <a:pPr>
-              <a:buNone/>
-            </a:pPr>
-            <a:r>
-              <a:rPr lang="en-US" sz="2400" u="sng" dirty="0">
-                <a:hlinkClick r:id="rId3"/>
-              </a:rPr>
-              <a:t>https://cs.stanford.edu/people/alecmgo/papers/TwitterDistantSupervision09.pdf</a:t>
-            </a:r>
-            <a:endParaRPr lang="en-US" sz="2400" dirty="0"/>
-          </a:p>
-          <a:p>
-            <a:pPr>
-              <a:buNone/>
-            </a:pPr>
-            <a:endParaRPr lang="en-US" dirty="0"/>
-          </a:p>
-        </p:txBody>
-      </p:sp>
-    </p:spTree>
-  </p:cSld>
-  <p:clrMapOvr>
-    <a:masterClrMapping/>
-  </p:clrMapOvr>
-  <p:timing>
-    <p:tnLst>
-      <p:par>
-        <p:cTn id="1" dur="indefinite" restart="never" nodeType="tmRoot"/>
-      </p:par>
-    </p:tnLst>
-  </p:timing>
-</p:sld>
-</file>
-
 <file path=ppt/slides/slide27.xml><?xml version="1.0" encoding="utf-8"?>
 <p:sld xmlns:a="http://schemas.openxmlformats.org/drawingml/2006/main" xmlns:r="http://schemas.openxmlformats.org/officeDocument/2006/relationships" xmlns:p="http://schemas.openxmlformats.org/presentationml/2006/main">
   <p:cSld>
@@ -5116,66 +5110,103 @@
           <a:p>
             <a:r>
               <a:rPr lang="en-US" dirty="0" smtClean="0"/>
-              <a:t>Questions?</a:t>
+              <a:t>Bibliography</a:t>
             </a:r>
             <a:endParaRPr lang="en-US" dirty="0"/>
           </a:p>
         </p:txBody>
       </p:sp>
-      <p:pic>
-        <p:nvPicPr>
-          <p:cNvPr id="6" name="Content Placeholder 5" descr="cloud-pos.png"/>
-          <p:cNvPicPr>
-            <a:picLocks noGrp="1" noChangeAspect="1"/>
-          </p:cNvPicPr>
-          <p:nvPr>
-            <p:ph sz="half" idx="1"/>
-          </p:nvPr>
-        </p:nvPicPr>
-        <p:blipFill>
-          <a:blip r:embed="rId2"/>
-          <a:stretch>
-            <a:fillRect/>
-          </a:stretch>
-        </p:blipFill>
-        <p:spPr>
-          <a:xfrm>
-            <a:off x="457200" y="2517906"/>
-            <a:ext cx="4038600" cy="2690551"/>
-          </a:xfrm>
-        </p:spPr>
-      </p:pic>
-      <p:pic>
-        <p:nvPicPr>
-          <p:cNvPr id="7" name="Content Placeholder 6" descr="cloud-neg.png"/>
-          <p:cNvPicPr>
-            <a:picLocks noGrp="1" noChangeAspect="1"/>
-          </p:cNvPicPr>
-          <p:nvPr>
-            <p:ph sz="half" idx="2"/>
-          </p:nvPr>
-        </p:nvPicPr>
-        <p:blipFill>
-          <a:blip r:embed="rId3"/>
-          <a:stretch>
-            <a:fillRect/>
-          </a:stretch>
-        </p:blipFill>
-        <p:spPr>
-          <a:xfrm>
-            <a:off x="4648200" y="2509728"/>
-            <a:ext cx="4038600" cy="2706906"/>
-          </a:xfrm>
-        </p:spPr>
-      </p:pic>
+      <p:sp>
+        <p:nvSpPr>
+          <p:cNvPr id="3" name="Content Placeholder 2"/>
+          <p:cNvSpPr>
+            <a:spLocks noGrp="1"/>
+          </p:cNvSpPr>
+          <p:nvPr>
+            <p:ph idx="1"/>
+          </p:nvPr>
+        </p:nvSpPr>
+        <p:spPr/>
+        <p:txBody>
+          <a:bodyPr/>
+          <a:lstStyle/>
+          <a:p>
+            <a:r>
+              <a:rPr lang="en-US" sz="2400" dirty="0"/>
+              <a:t>Sentiment140 for Academics</a:t>
+            </a:r>
+          </a:p>
+          <a:p>
+            <a:pPr>
+              <a:buNone/>
+            </a:pPr>
+            <a:r>
+              <a:rPr lang="en-US" sz="2400" u="sng" dirty="0">
+                <a:hlinkClick r:id="rId2"/>
+              </a:rPr>
+              <a:t>http://</a:t>
+            </a:r>
+            <a:r>
+              <a:rPr lang="en-US" sz="2400" u="sng" dirty="0" smtClean="0">
+                <a:hlinkClick r:id="rId2"/>
+              </a:rPr>
+              <a:t>help.sentiment140.com/for-students</a:t>
+            </a:r>
+            <a:endParaRPr lang="en-US" sz="2400" u="sng" dirty="0" smtClean="0"/>
+          </a:p>
+          <a:p>
+            <a:pPr>
+              <a:buNone/>
+            </a:pPr>
+            <a:endParaRPr lang="en-US" sz="2400" dirty="0"/>
+          </a:p>
+          <a:p>
+            <a:r>
+              <a:rPr lang="en-US" sz="2400" dirty="0"/>
+              <a:t>Twitter Sentiment Classification using Distant Supervision - Alec Go, </a:t>
+            </a:r>
+            <a:r>
+              <a:rPr lang="en-US" sz="2400" dirty="0" err="1"/>
+              <a:t>Richa</a:t>
+            </a:r>
+            <a:r>
+              <a:rPr lang="en-US" sz="2400" dirty="0"/>
+              <a:t> </a:t>
+            </a:r>
+            <a:r>
+              <a:rPr lang="en-US" sz="2400" dirty="0" err="1"/>
+              <a:t>Bhayani</a:t>
+            </a:r>
+            <a:r>
+              <a:rPr lang="en-US" sz="2400" dirty="0"/>
+              <a:t>, Lei Huang, 2009</a:t>
+            </a:r>
+          </a:p>
+          <a:p>
+            <a:pPr>
+              <a:buNone/>
+            </a:pPr>
+            <a:r>
+              <a:rPr lang="en-US" sz="2400" u="sng" dirty="0">
+                <a:hlinkClick r:id="rId3"/>
+              </a:rPr>
+              <a:t>https://cs.stanford.edu/people/alecmgo/papers/TwitterDistantSupervision09.pdf</a:t>
+            </a:r>
+            <a:endParaRPr lang="en-US" sz="2400" dirty="0"/>
+          </a:p>
+          <a:p>
+            <a:pPr>
+              <a:buNone/>
+            </a:pPr>
+            <a:endParaRPr lang="en-US" dirty="0"/>
+          </a:p>
+        </p:txBody>
+      </p:sp>
     </p:spTree>
   </p:cSld>
   <p:clrMapOvr>
     <a:masterClrMapping/>
   </p:clrMapOvr>
-  <p:transition spd="slow">
-    <p:pull dir="d"/>
-  </p:transition>
   <p:timing>
     <p:tnLst>
       <p:par>
@@ -5210,19 +5241,125 @@
             <a:spLocks noGrp="1"/>
           </p:cNvSpPr>
           <p:nvPr>
+            <p:ph type="title"/>
+          </p:nvPr>
+        </p:nvSpPr>
+        <p:spPr/>
+        <p:txBody>
+          <a:bodyPr/>
+          <a:lstStyle/>
+          <a:p>
+            <a:r>
+              <a:rPr lang="en-US" dirty="0" smtClean="0"/>
+              <a:t>Questions?</a:t>
+            </a:r>
+            <a:endParaRPr lang="en-US" dirty="0"/>
+          </a:p>
+        </p:txBody>
+      </p:sp>
+      <p:pic>
+        <p:nvPicPr>
+          <p:cNvPr id="6" name="Content Placeholder 5" descr="cloud-pos.png"/>
+          <p:cNvPicPr>
+            <a:picLocks noGrp="1" noChangeAspect="1"/>
+          </p:cNvPicPr>
+          <p:nvPr>
+            <p:ph sz="half" idx="1"/>
+          </p:nvPr>
+        </p:nvPicPr>
+        <p:blipFill>
+          <a:blip r:embed="rId2"/>
+          <a:stretch>
+            <a:fillRect/>
+          </a:stretch>
+        </p:blipFill>
+        <p:spPr>
+          <a:xfrm>
+            <a:off x="457200" y="2517906"/>
+            <a:ext cx="4038600" cy="3197094"/>
+          </a:xfrm>
+        </p:spPr>
+      </p:pic>
+      <p:pic>
+        <p:nvPicPr>
+          <p:cNvPr id="7" name="Content Placeholder 6" descr="cloud-neg.png"/>
+          <p:cNvPicPr>
+            <a:picLocks noGrp="1" noChangeAspect="1"/>
+          </p:cNvPicPr>
+          <p:nvPr>
+            <p:ph sz="half" idx="2"/>
+          </p:nvPr>
+        </p:nvPicPr>
+        <p:blipFill>
+          <a:blip r:embed="rId3"/>
+          <a:stretch>
+            <a:fillRect/>
+          </a:stretch>
+        </p:blipFill>
+        <p:spPr>
+          <a:xfrm>
+            <a:off x="4648200" y="2509728"/>
+            <a:ext cx="4038600" cy="3205272"/>
+          </a:xfrm>
+        </p:spPr>
+      </p:pic>
+    </p:spTree>
+  </p:cSld>
+  <p:clrMapOvr>
+    <a:masterClrMapping/>
+  </p:clrMapOvr>
+  <p:transition spd="slow">
+    <p:pull dir="d"/>
+  </p:transition>
+  <p:timing>
+    <p:tnLst>
+      <p:par>
+        <p:cTn id="1" dur="indefinite" restart="never" nodeType="tmRoot"/>
+      </p:par>
+    </p:tnLst>
+  </p:timing>
+</p:sld>
+</file>
+
+<file path=ppt/slides/slide29.xml><?xml version="1.0" encoding="utf-8"?>
+<p:sld xmlns:a="http://schemas.openxmlformats.org/drawingml/2006/main" xmlns:r="http://schemas.openxmlformats.org/officeDocument/2006/relationships" xmlns:p="http://schemas.openxmlformats.org/presentationml/2006/main">
+  <p:cSld>
+    <p:spTree>
+      <p:nvGrpSpPr>
+        <p:cNvPr id="1" name=""/>
+        <p:cNvGrpSpPr/>
+        <p:nvPr/>
+      </p:nvGrpSpPr>
+      <p:grpSpPr>
+        <a:xfrm>
+          <a:off x="0" y="0"/>
+          <a:ext cx="0" cy="0"/>
+          <a:chOff x="0" y="0"/>
+          <a:chExt cx="0" cy="0"/>
+        </a:xfrm>
+      </p:grpSpPr>
+      <p:sp>
+        <p:nvSpPr>
+          <p:cNvPr id="2" name="Title 1"/>
+          <p:cNvSpPr>
+            <a:spLocks noGrp="1"/>
+          </p:cNvSpPr>
+          <p:nvPr>
             <p:ph type="ctrTitle"/>
           </p:nvPr>
         </p:nvSpPr>
         <p:spPr/>
         <p:txBody>
-          <a:bodyPr/>
-          <a:lstStyle/>
-          <a:p>
-            <a:r>
-              <a:rPr lang="en-US" dirty="0" smtClean="0"/>
+          <a:bodyPr>
+            <a:normAutofit/>
+          </a:bodyPr>
+          <a:lstStyle/>
+          <a:p>
+            <a:r>
+              <a:rPr lang="en-US" sz="8000" dirty="0" smtClean="0"/>
               <a:t>Thank You!</a:t>
             </a:r>
-            <a:endParaRPr lang="en-US" dirty="0"/>
+            <a:endParaRPr lang="en-US" sz="8000" dirty="0"/>
           </a:p>
         </p:txBody>
       </p:sp>
@@ -5721,8 +5858,8 @@
         </p:nvSpPr>
         <p:spPr>
           <a:xfrm>
-            <a:off x="533400" y="3810000"/>
-            <a:ext cx="8077200" cy="1938992"/>
+            <a:off x="533400" y="3505200"/>
+            <a:ext cx="8077200" cy="2554545"/>
           </a:xfrm>
           <a:prstGeom prst="rect">
             <a:avLst/>
@@ -5740,13 +5877,17 @@
               <a:buChar char="•"/>
             </a:pPr>
             <a:r>
-              <a:rPr lang="en-US" sz="2400" dirty="0" smtClean="0"/>
-              <a:t>Data Cleaning</a:t>
+              <a:rPr lang="en-US" sz="3200" dirty="0" smtClean="0"/>
+              <a:t> Data </a:t>
+            </a:r>
+            <a:r>
+              <a:rPr lang="en-US" sz="3200" dirty="0" smtClean="0"/>
+              <a:t>Cleaning</a:t>
             </a:r>
           </a:p>
           <a:p>
             <a:pPr algn="ctr"/>
-            <a:endParaRPr lang="en-US" sz="2400" dirty="0" smtClean="0"/>
+            <a:endParaRPr lang="en-US" sz="3200" dirty="0" smtClean="0"/>
           </a:p>
           <a:p>
             <a:pPr algn="ctr">
@@ -5754,13 +5895,17 @@
               <a:buChar char="•"/>
             </a:pPr>
             <a:r>
-              <a:rPr lang="en-US" sz="2400" dirty="0" smtClean="0"/>
-              <a:t>Feature Selection</a:t>
+              <a:rPr lang="en-US" sz="3200" dirty="0" smtClean="0"/>
+              <a:t> Feature </a:t>
+            </a:r>
+            <a:r>
+              <a:rPr lang="en-US" sz="3200" dirty="0" smtClean="0"/>
+              <a:t>Selection</a:t>
             </a:r>
           </a:p>
           <a:p>
             <a:pPr algn="ctr"/>
-            <a:endParaRPr lang="en-US" sz="2400" dirty="0" smtClean="0"/>
+            <a:endParaRPr lang="en-US" sz="3200" dirty="0" smtClean="0"/>
           </a:p>
           <a:p>
             <a:pPr algn="ctr">
@@ -5768,10 +5913,14 @@
               <a:buChar char="•"/>
             </a:pPr>
             <a:r>
-              <a:rPr lang="en-US" sz="2400" dirty="0" smtClean="0"/>
-              <a:t>Data Sampling</a:t>
-            </a:r>
-            <a:endParaRPr lang="en-US" sz="2400" dirty="0"/>
+              <a:rPr lang="en-US" sz="3200" dirty="0" smtClean="0"/>
+              <a:t> Data </a:t>
+            </a:r>
+            <a:r>
+              <a:rPr lang="en-US" sz="3200" dirty="0" smtClean="0"/>
+              <a:t>Sampling</a:t>
+            </a:r>
+            <a:endParaRPr lang="en-US" sz="3200" dirty="0"/>
           </a:p>
         </p:txBody>
       </p:sp>
@@ -5868,7 +6017,11 @@
             </a:r>
             <a:r>
               <a:rPr lang="en-US" dirty="0" smtClean="0"/>
-              <a:t>       TF-IDF</a:t>
+              <a:t>       </a:t>
+            </a:r>
+            <a:r>
+              <a:rPr lang="en-US" sz="3600" b="1" dirty="0" smtClean="0"/>
+              <a:t>TF-IDF</a:t>
             </a:r>
           </a:p>
           <a:p>
@@ -5893,7 +6046,11 @@
             </a:r>
             <a:r>
               <a:rPr lang="en-US" dirty="0" smtClean="0"/>
-              <a:t>       Logistic Regression</a:t>
+              <a:t>       </a:t>
+            </a:r>
+            <a:r>
+              <a:rPr lang="en-US" sz="3600" b="1" dirty="0" smtClean="0"/>
+              <a:t>Logistic Regression</a:t>
             </a:r>
           </a:p>
           <a:p>
@@ -5901,20 +6058,24 @@
               <a:buNone/>
             </a:pPr>
             <a:r>
-              <a:rPr lang="en-US" dirty="0"/>
+              <a:rPr lang="en-US" sz="3600" b="1" dirty="0"/>
               <a:t> </a:t>
             </a:r>
             <a:r>
-              <a:rPr lang="en-US" dirty="0" smtClean="0"/>
-              <a:t>       </a:t>
-            </a:r>
-            <a:r>
-              <a:rPr lang="en-US" dirty="0" err="1" smtClean="0"/>
+              <a:rPr lang="en-US" sz="3600" b="1" dirty="0" smtClean="0"/>
+              <a:t>      </a:t>
+            </a:r>
+            <a:r>
+              <a:rPr lang="en-US" sz="3600" b="1" dirty="0" err="1" smtClean="0"/>
               <a:t>LinearSVC</a:t>
             </a:r>
             <a:r>
-              <a:rPr lang="en-US" dirty="0" smtClean="0"/>
-              <a:t> (Support Vector Classifier)</a:t>
+              <a:rPr lang="en-US" sz="3600" b="1" dirty="0" smtClean="0"/>
+              <a:t> </a:t>
+            </a:r>
+            <a:r>
+              <a:rPr lang="en-US" dirty="0" smtClean="0"/>
+              <a:t>(Support Vector Classifier)</a:t>
             </a:r>
           </a:p>
           <a:p>
@@ -6116,7 +6277,7 @@
         <p:spPr>
           <a:xfrm>
             <a:off x="457200" y="2690685"/>
-            <a:ext cx="4040188" cy="2919667"/>
+            <a:ext cx="4040188" cy="3710115"/>
           </a:xfrm>
         </p:spPr>
       </p:pic>
@@ -6163,8 +6324,8 @@
         </p:blipFill>
         <p:spPr>
           <a:xfrm>
-            <a:off x="4645025" y="2653309"/>
-            <a:ext cx="4041775" cy="2994420"/>
+            <a:off x="4648200" y="2667000"/>
+            <a:ext cx="4041775" cy="3823692"/>
           </a:xfrm>
         </p:spPr>
       </p:pic>
